--- a/Lesson3/Lesson 3.pptx
+++ b/Lesson3/Lesson 3.pptx
@@ -12,6 +12,8 @@
     <p:sldId id="260" r:id="rId6"/>
     <p:sldId id="261" r:id="rId7"/>
     <p:sldId id="262" r:id="rId8"/>
+    <p:sldId id="263" r:id="rId9"/>
+    <p:sldId id="264" r:id="rId10"/>
   </p:sldIdLst>
   <p:sldSz cx="12192000" cy="6858000"/>
   <p:notesSz cx="6858000" cy="9144000"/>
@@ -110,6 +112,11 @@
       </a:defRPr>
     </a:lvl9pPr>
   </p:defaultTextStyle>
+  <p:extLst>
+    <p:ext uri="{EFAFB233-063F-42B5-8137-9DF3F51BA10A}">
+      <p15:sldGuideLst xmlns:p15="http://schemas.microsoft.com/office/powerpoint/2012/main"/>
+    </p:ext>
+  </p:extLst>
 </p:presentation>
 </file>
 
@@ -3646,14 +3653,25 @@
             <a:pPr lvl="1"/>
             <a:r>
               <a:rPr lang="en-US" dirty="0"/>
-              <a:t>Submitting a file</a:t>
+              <a:t>Submitting a file using </a:t>
+            </a:r>
+            <a:r>
+              <a:rPr lang="en-US" i="1" dirty="0"/>
+              <a:t>multipart/form-data</a:t>
             </a:r>
           </a:p>
           <a:p>
             <a:r>
               <a:rPr lang="en-US" dirty="0"/>
-              <a:t>XHTML/HTML – read more on w3school</a:t>
-            </a:r>
+              <a:t>XHTML/HTML – read more on </a:t>
+            </a:r>
+            <a:r>
+              <a:rPr lang="en-US" dirty="0">
+                <a:hlinkClick r:id="rId2"/>
+              </a:rPr>
+              <a:t>w3school</a:t>
+            </a:r>
+            <a:endParaRPr lang="en-US" dirty="0"/>
           </a:p>
           <a:p>
             <a:r>
@@ -7171,7 +7189,9 @@
         </p:nvSpPr>
         <p:spPr/>
         <p:txBody>
-          <a:bodyPr/>
+          <a:bodyPr>
+            <a:normAutofit/>
+          </a:bodyPr>
           <a:lstStyle/>
           <a:p>
             <a:r>
@@ -7211,6 +7231,23 @@
               <a:rPr lang="en-US" dirty="0"/>
               <a:t>Practice </a:t>
             </a:r>
+          </a:p>
+          <a:p>
+            <a:pPr lvl="1"/>
+            <a:r>
+              <a:rPr lang="en-US" dirty="0"/>
+              <a:t>color, border, margin, padding, position, background, font</a:t>
+            </a:r>
+            <a:br>
+              <a:rPr lang="en-US" dirty="0"/>
+            </a:br>
+            <a:r>
+              <a:rPr lang="en-US" dirty="0"/>
+              <a:t>align, font, top, left, bottom, width, height, opacity</a:t>
+            </a:r>
+          </a:p>
+          <a:p>
+            <a:endParaRPr lang="en-US" dirty="0"/>
           </a:p>
         </p:txBody>
       </p:sp>
@@ -7218,6 +7255,275 @@
     <p:extLst>
       <p:ext uri="{BB962C8B-B14F-4D97-AF65-F5344CB8AC3E}">
         <p14:creationId xmlns:p14="http://schemas.microsoft.com/office/powerpoint/2010/main" val="3697414417"/>
+      </p:ext>
+    </p:extLst>
+  </p:cSld>
+  <p:clrMapOvr>
+    <a:masterClrMapping/>
+  </p:clrMapOvr>
+</p:sld>
+</file>
+
+<file path=ppt/slides/slide8.xml><?xml version="1.0" encoding="utf-8"?>
+<p:sld xmlns:a="http://schemas.openxmlformats.org/drawingml/2006/main" xmlns:r="http://schemas.openxmlformats.org/officeDocument/2006/relationships" xmlns:p="http://schemas.openxmlformats.org/presentationml/2006/main">
+  <p:cSld>
+    <p:spTree>
+      <p:nvGrpSpPr>
+        <p:cNvPr id="1" name=""/>
+        <p:cNvGrpSpPr/>
+        <p:nvPr/>
+      </p:nvGrpSpPr>
+      <p:grpSpPr>
+        <a:xfrm>
+          <a:off x="0" y="0"/>
+          <a:ext cx="0" cy="0"/>
+          <a:chOff x="0" y="0"/>
+          <a:chExt cx="0" cy="0"/>
+        </a:xfrm>
+      </p:grpSpPr>
+      <p:sp>
+        <p:nvSpPr>
+          <p:cNvPr id="2" name="Title 1">
+            <a:extLst>
+              <a:ext uri="{FF2B5EF4-FFF2-40B4-BE49-F238E27FC236}">
+                <a16:creationId xmlns:a16="http://schemas.microsoft.com/office/drawing/2014/main" id="{8CDD9E06-D54A-4962-80F6-691ECD24F390}"/>
+              </a:ext>
+            </a:extLst>
+          </p:cNvPr>
+          <p:cNvSpPr>
+            <a:spLocks noGrp="1"/>
+          </p:cNvSpPr>
+          <p:nvPr>
+            <p:ph type="title"/>
+          </p:nvPr>
+        </p:nvSpPr>
+        <p:spPr/>
+        <p:txBody>
+          <a:bodyPr/>
+          <a:lstStyle/>
+          <a:p>
+            <a:r>
+              <a:rPr lang="en-US" dirty="0" err="1"/>
+              <a:t>Javascript</a:t>
+            </a:r>
+            <a:endParaRPr lang="en-US" dirty="0"/>
+          </a:p>
+        </p:txBody>
+      </p:sp>
+      <p:sp>
+        <p:nvSpPr>
+          <p:cNvPr id="3" name="Content Placeholder 2">
+            <a:extLst>
+              <a:ext uri="{FF2B5EF4-FFF2-40B4-BE49-F238E27FC236}">
+                <a16:creationId xmlns:a16="http://schemas.microsoft.com/office/drawing/2014/main" id="{54F6BC0E-2BE5-40D4-A9F4-C82C6BA17E08}"/>
+              </a:ext>
+            </a:extLst>
+          </p:cNvPr>
+          <p:cNvSpPr>
+            <a:spLocks noGrp="1"/>
+          </p:cNvSpPr>
+          <p:nvPr>
+            <p:ph idx="1"/>
+          </p:nvPr>
+        </p:nvSpPr>
+        <p:spPr/>
+        <p:txBody>
+          <a:bodyPr/>
+          <a:lstStyle/>
+          <a:p>
+            <a:r>
+              <a:rPr lang="en-US" dirty="0"/>
+              <a:t>… let’s practice if we have time</a:t>
+            </a:r>
+          </a:p>
+        </p:txBody>
+      </p:sp>
+    </p:spTree>
+    <p:extLst>
+      <p:ext uri="{BB962C8B-B14F-4D97-AF65-F5344CB8AC3E}">
+        <p14:creationId xmlns:p14="http://schemas.microsoft.com/office/powerpoint/2010/main" val="3139046028"/>
+      </p:ext>
+    </p:extLst>
+  </p:cSld>
+  <p:clrMapOvr>
+    <a:masterClrMapping/>
+  </p:clrMapOvr>
+</p:sld>
+</file>
+
+<file path=ppt/slides/slide9.xml><?xml version="1.0" encoding="utf-8"?>
+<p:sld xmlns:a="http://schemas.openxmlformats.org/drawingml/2006/main" xmlns:r="http://schemas.openxmlformats.org/officeDocument/2006/relationships" xmlns:p="http://schemas.openxmlformats.org/presentationml/2006/main">
+  <p:cSld>
+    <p:spTree>
+      <p:nvGrpSpPr>
+        <p:cNvPr id="1" name=""/>
+        <p:cNvGrpSpPr/>
+        <p:nvPr/>
+      </p:nvGrpSpPr>
+      <p:grpSpPr>
+        <a:xfrm>
+          <a:off x="0" y="0"/>
+          <a:ext cx="0" cy="0"/>
+          <a:chOff x="0" y="0"/>
+          <a:chExt cx="0" cy="0"/>
+        </a:xfrm>
+      </p:grpSpPr>
+      <p:sp>
+        <p:nvSpPr>
+          <p:cNvPr id="2" name="Title 1">
+            <a:extLst>
+              <a:ext uri="{FF2B5EF4-FFF2-40B4-BE49-F238E27FC236}">
+                <a16:creationId xmlns:a16="http://schemas.microsoft.com/office/drawing/2014/main" id="{B86F7D9D-56B4-46F6-A6F4-CADE35D31092}"/>
+              </a:ext>
+            </a:extLst>
+          </p:cNvPr>
+          <p:cNvSpPr>
+            <a:spLocks noGrp="1"/>
+          </p:cNvSpPr>
+          <p:nvPr>
+            <p:ph type="title"/>
+          </p:nvPr>
+        </p:nvSpPr>
+        <p:spPr/>
+        <p:txBody>
+          <a:bodyPr/>
+          <a:lstStyle/>
+          <a:p>
+            <a:r>
+              <a:rPr lang="en-US" dirty="0"/>
+              <a:t>Home Practice/Work</a:t>
+            </a:r>
+          </a:p>
+        </p:txBody>
+      </p:sp>
+      <p:sp>
+        <p:nvSpPr>
+          <p:cNvPr id="3" name="Content Placeholder 2">
+            <a:extLst>
+              <a:ext uri="{FF2B5EF4-FFF2-40B4-BE49-F238E27FC236}">
+                <a16:creationId xmlns:a16="http://schemas.microsoft.com/office/drawing/2014/main" id="{3BD2EAD7-0FC7-4E7A-821E-52B6CCAE012E}"/>
+              </a:ext>
+            </a:extLst>
+          </p:cNvPr>
+          <p:cNvSpPr>
+            <a:spLocks noGrp="1"/>
+          </p:cNvSpPr>
+          <p:nvPr>
+            <p:ph idx="1"/>
+          </p:nvPr>
+        </p:nvSpPr>
+        <p:spPr/>
+        <p:txBody>
+          <a:bodyPr>
+            <a:normAutofit fontScale="92500" lnSpcReduction="10000"/>
+          </a:bodyPr>
+          <a:lstStyle/>
+          <a:p>
+            <a:r>
+              <a:rPr lang="en-US" dirty="0"/>
+              <a:t>Reading:</a:t>
+            </a:r>
+          </a:p>
+          <a:p>
+            <a:pPr lvl="1"/>
+            <a:r>
+              <a:rPr lang="en-US" dirty="0">
+                <a:hlinkClick r:id="rId2"/>
+              </a:rPr>
+              <a:t>https://www.w3schools.com/html/html_xhtml.asp</a:t>
+            </a:r>
+            <a:endParaRPr lang="en-US" dirty="0"/>
+          </a:p>
+          <a:p>
+            <a:pPr lvl="1"/>
+            <a:r>
+              <a:rPr lang="en-US" dirty="0">
+                <a:hlinkClick r:id="rId3"/>
+              </a:rPr>
+              <a:t>https://www.w3schools.com/html/html_form_input_types.asp </a:t>
+            </a:r>
+            <a:endParaRPr lang="en-US" dirty="0"/>
+          </a:p>
+          <a:p>
+            <a:pPr lvl="1"/>
+            <a:r>
+              <a:rPr lang="en-US" dirty="0">
+                <a:hlinkClick r:id="rId4"/>
+              </a:rPr>
+              <a:t>https://www.w3schools.com/html/html5_intro.asp </a:t>
+            </a:r>
+            <a:endParaRPr lang="en-US" dirty="0"/>
+          </a:p>
+          <a:p>
+            <a:pPr lvl="1"/>
+            <a:r>
+              <a:rPr lang="en-US" dirty="0">
+                <a:hlinkClick r:id="rId5"/>
+              </a:rPr>
+              <a:t>https://www.w3schools.com/tags/ref_urlencode.asp </a:t>
+            </a:r>
+            <a:endParaRPr lang="en-US" dirty="0"/>
+          </a:p>
+          <a:p>
+            <a:pPr lvl="1"/>
+            <a:endParaRPr lang="en-US" dirty="0"/>
+          </a:p>
+          <a:p>
+            <a:r>
+              <a:rPr lang="en-US" dirty="0"/>
+              <a:t>Reading on CSS:</a:t>
+            </a:r>
+          </a:p>
+          <a:p>
+            <a:pPr lvl="1"/>
+            <a:r>
+              <a:rPr lang="en-US" dirty="0">
+                <a:hlinkClick r:id="rId6"/>
+              </a:rPr>
+              <a:t>https://www.w3schools.com/css/default.asp</a:t>
+            </a:r>
+            <a:r>
+              <a:rPr lang="en-US" dirty="0"/>
+              <a:t> </a:t>
+            </a:r>
+          </a:p>
+          <a:p>
+            <a:pPr lvl="1"/>
+            <a:r>
+              <a:rPr lang="en-US" dirty="0">
+                <a:hlinkClick r:id="rId7"/>
+              </a:rPr>
+              <a:t>https://www.w3schools.com/cssref/</a:t>
+            </a:r>
+            <a:endParaRPr lang="en-US" dirty="0"/>
+          </a:p>
+          <a:p>
+            <a:pPr lvl="1"/>
+            <a:r>
+              <a:rPr lang="en-US" dirty="0"/>
+              <a:t>Work especially on: color, border, margin, padding, position, background, font</a:t>
+            </a:r>
+            <a:br>
+              <a:rPr lang="en-US" dirty="0"/>
+            </a:br>
+            <a:r>
+              <a:rPr lang="en-US" dirty="0"/>
+              <a:t>align, font, top, left, bottom, width, height, opacity</a:t>
+            </a:r>
+          </a:p>
+          <a:p>
+            <a:pPr lvl="1"/>
+            <a:r>
+              <a:rPr lang="en-US" dirty="0"/>
+              <a:t>	</a:t>
+            </a:r>
+          </a:p>
+        </p:txBody>
+      </p:sp>
+    </p:spTree>
+    <p:extLst>
+      <p:ext uri="{BB962C8B-B14F-4D97-AF65-F5344CB8AC3E}">
+        <p14:creationId xmlns:p14="http://schemas.microsoft.com/office/powerpoint/2010/main" val="3236242510"/>
       </p:ext>
     </p:extLst>
   </p:cSld>
